--- a/Проект.pptx
+++ b/Проект.pptx
@@ -27,8 +27,9 @@
     <p:sldId id="275" r:id="rId21"/>
     <p:sldId id="276" r:id="rId22"/>
     <p:sldId id="277" r:id="rId23"/>
-    <p:sldId id="278" r:id="rId24"/>
-    <p:sldId id="279" r:id="rId25"/>
+    <p:sldId id="280" r:id="rId24"/>
+    <p:sldId id="278" r:id="rId25"/>
+    <p:sldId id="279" r:id="rId26"/>
   </p:sldIdLst>
   <p:sldSz cx="12192000" cy="6858000"/>
   <p:notesSz cx="6858000" cy="9144000"/>
@@ -127,6 +128,11 @@
       </a:defRPr>
     </a:lvl9pPr>
   </p:defaultTextStyle>
+  <p:extLst>
+    <p:ext uri="{EFAFB233-063F-42B5-8137-9DF3F51BA10A}">
+      <p15:sldGuideLst xmlns:p15="http://schemas.microsoft.com/office/powerpoint/2012/main"/>
+    </p:ext>
+  </p:extLst>
 </p:presentation>
 </file>
 
@@ -852,7 +858,7 @@
           <a:p>
             <a:fld id="{C4AECE51-9272-461F-8F3C-4650039F52BC}" type="datetimeFigureOut">
               <a:rPr lang="ru-RU" smtClean="0"/>
-              <a:t>30.05.2023</a:t>
+              <a:t>01.06.2023</a:t>
             </a:fld>
             <a:endParaRPr lang="ru-RU"/>
           </a:p>
@@ -1103,7 +1109,7 @@
           <a:p>
             <a:fld id="{C4AECE51-9272-461F-8F3C-4650039F52BC}" type="datetimeFigureOut">
               <a:rPr lang="ru-RU" smtClean="0"/>
-              <a:t>30.05.2023</a:t>
+              <a:t>01.06.2023</a:t>
             </a:fld>
             <a:endParaRPr lang="ru-RU"/>
           </a:p>
@@ -1417,7 +1423,7 @@
           <a:p>
             <a:fld id="{C4AECE51-9272-461F-8F3C-4650039F52BC}" type="datetimeFigureOut">
               <a:rPr lang="ru-RU" smtClean="0"/>
-              <a:t>30.05.2023</a:t>
+              <a:t>01.06.2023</a:t>
             </a:fld>
             <a:endParaRPr lang="ru-RU"/>
           </a:p>
@@ -1758,7 +1764,7 @@
           <a:p>
             <a:fld id="{C4AECE51-9272-461F-8F3C-4650039F52BC}" type="datetimeFigureOut">
               <a:rPr lang="ru-RU" smtClean="0"/>
-              <a:t>30.05.2023</a:t>
+              <a:t>01.06.2023</a:t>
             </a:fld>
             <a:endParaRPr lang="ru-RU"/>
           </a:p>
@@ -2072,7 +2078,7 @@
           <a:p>
             <a:fld id="{C4AECE51-9272-461F-8F3C-4650039F52BC}" type="datetimeFigureOut">
               <a:rPr lang="ru-RU" smtClean="0"/>
-              <a:t>30.05.2023</a:t>
+              <a:t>01.06.2023</a:t>
             </a:fld>
             <a:endParaRPr lang="ru-RU"/>
           </a:p>
@@ -2465,7 +2471,7 @@
           <a:p>
             <a:fld id="{C4AECE51-9272-461F-8F3C-4650039F52BC}" type="datetimeFigureOut">
               <a:rPr lang="ru-RU" smtClean="0"/>
-              <a:t>30.05.2023</a:t>
+              <a:t>01.06.2023</a:t>
             </a:fld>
             <a:endParaRPr lang="ru-RU"/>
           </a:p>
@@ -2635,7 +2641,7 @@
           <a:p>
             <a:fld id="{C4AECE51-9272-461F-8F3C-4650039F52BC}" type="datetimeFigureOut">
               <a:rPr lang="ru-RU" smtClean="0"/>
-              <a:t>30.05.2023</a:t>
+              <a:t>01.06.2023</a:t>
             </a:fld>
             <a:endParaRPr lang="ru-RU"/>
           </a:p>
@@ -2815,7 +2821,7 @@
           <a:p>
             <a:fld id="{C4AECE51-9272-461F-8F3C-4650039F52BC}" type="datetimeFigureOut">
               <a:rPr lang="ru-RU" smtClean="0"/>
-              <a:t>30.05.2023</a:t>
+              <a:t>01.06.2023</a:t>
             </a:fld>
             <a:endParaRPr lang="ru-RU"/>
           </a:p>
@@ -2991,7 +2997,7 @@
           <a:p>
             <a:fld id="{C4AECE51-9272-461F-8F3C-4650039F52BC}" type="datetimeFigureOut">
               <a:rPr lang="ru-RU" smtClean="0"/>
-              <a:t>30.05.2023</a:t>
+              <a:t>01.06.2023</a:t>
             </a:fld>
             <a:endParaRPr lang="ru-RU"/>
           </a:p>
@@ -3238,7 +3244,7 @@
           <a:p>
             <a:fld id="{C4AECE51-9272-461F-8F3C-4650039F52BC}" type="datetimeFigureOut">
               <a:rPr lang="ru-RU" smtClean="0"/>
-              <a:t>30.05.2023</a:t>
+              <a:t>01.06.2023</a:t>
             </a:fld>
             <a:endParaRPr lang="ru-RU"/>
           </a:p>
@@ -3470,7 +3476,7 @@
           <a:p>
             <a:fld id="{C4AECE51-9272-461F-8F3C-4650039F52BC}" type="datetimeFigureOut">
               <a:rPr lang="ru-RU" smtClean="0"/>
-              <a:t>30.05.2023</a:t>
+              <a:t>01.06.2023</a:t>
             </a:fld>
             <a:endParaRPr lang="ru-RU"/>
           </a:p>
@@ -3844,7 +3850,7 @@
           <a:p>
             <a:fld id="{C4AECE51-9272-461F-8F3C-4650039F52BC}" type="datetimeFigureOut">
               <a:rPr lang="ru-RU" smtClean="0"/>
-              <a:t>30.05.2023</a:t>
+              <a:t>01.06.2023</a:t>
             </a:fld>
             <a:endParaRPr lang="ru-RU"/>
           </a:p>
@@ -3967,7 +3973,7 @@
           <a:p>
             <a:fld id="{C4AECE51-9272-461F-8F3C-4650039F52BC}" type="datetimeFigureOut">
               <a:rPr lang="ru-RU" smtClean="0"/>
-              <a:t>30.05.2023</a:t>
+              <a:t>01.06.2023</a:t>
             </a:fld>
             <a:endParaRPr lang="ru-RU"/>
           </a:p>
@@ -4062,7 +4068,7 @@
           <a:p>
             <a:fld id="{C4AECE51-9272-461F-8F3C-4650039F52BC}" type="datetimeFigureOut">
               <a:rPr lang="ru-RU" smtClean="0"/>
-              <a:t>30.05.2023</a:t>
+              <a:t>01.06.2023</a:t>
             </a:fld>
             <a:endParaRPr lang="ru-RU"/>
           </a:p>
@@ -4317,7 +4323,7 @@
           <a:p>
             <a:fld id="{C4AECE51-9272-461F-8F3C-4650039F52BC}" type="datetimeFigureOut">
               <a:rPr lang="ru-RU" smtClean="0"/>
-              <a:t>30.05.2023</a:t>
+              <a:t>01.06.2023</a:t>
             </a:fld>
             <a:endParaRPr lang="ru-RU"/>
           </a:p>
@@ -4580,7 +4586,7 @@
           <a:p>
             <a:fld id="{C4AECE51-9272-461F-8F3C-4650039F52BC}" type="datetimeFigureOut">
               <a:rPr lang="ru-RU" smtClean="0"/>
-              <a:t>30.05.2023</a:t>
+              <a:t>01.06.2023</a:t>
             </a:fld>
             <a:endParaRPr lang="ru-RU"/>
           </a:p>
@@ -5323,7 +5329,7 @@
           <a:p>
             <a:fld id="{C4AECE51-9272-461F-8F3C-4650039F52BC}" type="datetimeFigureOut">
               <a:rPr lang="ru-RU" smtClean="0"/>
-              <a:t>30.05.2023</a:t>
+              <a:t>01.06.2023</a:t>
             </a:fld>
             <a:endParaRPr lang="ru-RU"/>
           </a:p>
@@ -7562,6 +7568,93 @@
           <a:chExt cx="0" cy="0"/>
         </a:xfrm>
       </p:grpSpPr>
+      <p:sp>
+        <p:nvSpPr>
+          <p:cNvPr id="2" name="Заголовок 1">
+            <a:extLst>
+              <a:ext uri="{FF2B5EF4-FFF2-40B4-BE49-F238E27FC236}">
+                <a16:creationId xmlns:a16="http://schemas.microsoft.com/office/drawing/2014/main" id="{D48ED1CD-FE49-C835-933D-F6F749EBA138}"/>
+              </a:ext>
+            </a:extLst>
+          </p:cNvPr>
+          <p:cNvSpPr>
+            <a:spLocks noGrp="1"/>
+          </p:cNvSpPr>
+          <p:nvPr>
+            <p:ph type="title"/>
+          </p:nvPr>
+        </p:nvSpPr>
+        <p:spPr/>
+        <p:txBody>
+          <a:bodyPr/>
+          <a:lstStyle/>
+          <a:p>
+            <a:r>
+              <a:rPr lang="ru-RU" dirty="0"/>
+              <a:t>Структуры очага</a:t>
+            </a:r>
+          </a:p>
+        </p:txBody>
+      </p:sp>
+      <p:pic>
+        <p:nvPicPr>
+          <p:cNvPr id="5" name="Объект 4">
+            <a:extLst>
+              <a:ext uri="{FF2B5EF4-FFF2-40B4-BE49-F238E27FC236}">
+                <a16:creationId xmlns:a16="http://schemas.microsoft.com/office/drawing/2014/main" id="{D59FD068-66DF-2F70-9F85-DDBDD4E36E67}"/>
+              </a:ext>
+            </a:extLst>
+          </p:cNvPr>
+          <p:cNvPicPr>
+            <a:picLocks noGrp="1" noChangeAspect="1"/>
+          </p:cNvPicPr>
+          <p:nvPr>
+            <p:ph idx="1"/>
+          </p:nvPr>
+        </p:nvPicPr>
+        <p:blipFill>
+          <a:blip r:embed="rId2"/>
+          <a:stretch>
+            <a:fillRect/>
+          </a:stretch>
+        </p:blipFill>
+        <p:spPr>
+          <a:xfrm>
+            <a:off x="677334" y="1270000"/>
+            <a:ext cx="10298656" cy="5588000"/>
+          </a:xfrm>
+        </p:spPr>
+      </p:pic>
+    </p:spTree>
+    <p:extLst>
+      <p:ext uri="{BB962C8B-B14F-4D97-AF65-F5344CB8AC3E}">
+        <p14:creationId xmlns:p14="http://schemas.microsoft.com/office/powerpoint/2010/main" val="3948292760"/>
+      </p:ext>
+    </p:extLst>
+  </p:cSld>
+  <p:clrMapOvr>
+    <a:masterClrMapping/>
+  </p:clrMapOvr>
+</p:sld>
+</file>
+
+<file path=ppt/slides/slide24.xml><?xml version="1.0" encoding="utf-8"?>
+<p:sld xmlns:a="http://schemas.openxmlformats.org/drawingml/2006/main" xmlns:r="http://schemas.openxmlformats.org/officeDocument/2006/relationships" xmlns:p="http://schemas.openxmlformats.org/presentationml/2006/main">
+  <p:cSld>
+    <p:spTree>
+      <p:nvGrpSpPr>
+        <p:cNvPr id="1" name=""/>
+        <p:cNvGrpSpPr/>
+        <p:nvPr/>
+      </p:nvGrpSpPr>
+      <p:grpSpPr>
+        <a:xfrm>
+          <a:off x="0" y="0"/>
+          <a:ext cx="0" cy="0"/>
+          <a:chOff x="0" y="0"/>
+          <a:chExt cx="0" cy="0"/>
+        </a:xfrm>
+      </p:grpSpPr>
       <p:pic>
         <p:nvPicPr>
           <p:cNvPr id="5" name="Рисунок 4">
@@ -7737,7 +7830,7 @@
 </p:sld>
 </file>
 
-<file path=ppt/slides/slide24.xml><?xml version="1.0" encoding="utf-8"?>
+<file path=ppt/slides/slide25.xml><?xml version="1.0" encoding="utf-8"?>
 <p:sld xmlns:a="http://schemas.openxmlformats.org/drawingml/2006/main" xmlns:r="http://schemas.openxmlformats.org/officeDocument/2006/relationships" xmlns:p="http://schemas.openxmlformats.org/presentationml/2006/main">
   <p:cSld>
     <p:spTree>
